--- a/Clue.pptx
+++ b/Clue.pptx
@@ -104,22 +104,6 @@
       </a:defRPr>
     </a:lvl9pPr>
   </p:defaultTextStyle>
-  <p:extLst>
-    <p:ext uri="{EFAFB233-063F-42B5-8137-9DF3F51BA10A}">
-      <p15:sldGuideLst xmlns:p15="http://schemas.microsoft.com/office/powerpoint/2012/main">
-        <p15:guide id="1" orient="horz" pos="2160">
-          <p15:clr>
-            <a:srgbClr val="A4A3A4"/>
-          </p15:clr>
-        </p15:guide>
-        <p15:guide id="2" pos="2880">
-          <p15:clr>
-            <a:srgbClr val="A4A3A4"/>
-          </p15:clr>
-        </p15:guide>
-      </p15:sldGuideLst>
-    </p:ext>
-  </p:extLst>
 </p:presentation>
 </file>
 
@@ -305,7 +289,7 @@
             <a:fld id="{1D8BD707-D9CF-40AE-B4C6-C98DA3205C09}" type="datetimeFigureOut">
               <a:rPr lang="en-US" smtClean="0"/>
               <a:pPr/>
-              <a:t>8/15/2012</a:t>
+              <a:t>12/8/2011</a:t>
             </a:fld>
             <a:endParaRPr lang="en-US"/>
           </a:p>
@@ -472,7 +456,7 @@
             <a:fld id="{1D8BD707-D9CF-40AE-B4C6-C98DA3205C09}" type="datetimeFigureOut">
               <a:rPr lang="en-US" smtClean="0"/>
               <a:pPr/>
-              <a:t>8/15/2012</a:t>
+              <a:t>12/8/2011</a:t>
             </a:fld>
             <a:endParaRPr lang="en-US"/>
           </a:p>
@@ -649,7 +633,7 @@
             <a:fld id="{1D8BD707-D9CF-40AE-B4C6-C98DA3205C09}" type="datetimeFigureOut">
               <a:rPr lang="en-US" smtClean="0"/>
               <a:pPr/>
-              <a:t>8/15/2012</a:t>
+              <a:t>12/8/2011</a:t>
             </a:fld>
             <a:endParaRPr lang="en-US"/>
           </a:p>
@@ -816,7 +800,7 @@
             <a:fld id="{1D8BD707-D9CF-40AE-B4C6-C98DA3205C09}" type="datetimeFigureOut">
               <a:rPr lang="en-US" smtClean="0"/>
               <a:pPr/>
-              <a:t>8/15/2012</a:t>
+              <a:t>12/8/2011</a:t>
             </a:fld>
             <a:endParaRPr lang="en-US"/>
           </a:p>
@@ -1059,7 +1043,7 @@
             <a:fld id="{1D8BD707-D9CF-40AE-B4C6-C98DA3205C09}" type="datetimeFigureOut">
               <a:rPr lang="en-US" smtClean="0"/>
               <a:pPr/>
-              <a:t>8/15/2012</a:t>
+              <a:t>12/8/2011</a:t>
             </a:fld>
             <a:endParaRPr lang="en-US"/>
           </a:p>
@@ -1344,7 +1328,7 @@
             <a:fld id="{1D8BD707-D9CF-40AE-B4C6-C98DA3205C09}" type="datetimeFigureOut">
               <a:rPr lang="en-US" smtClean="0"/>
               <a:pPr/>
-              <a:t>8/15/2012</a:t>
+              <a:t>12/8/2011</a:t>
             </a:fld>
             <a:endParaRPr lang="en-US"/>
           </a:p>
@@ -1763,7 +1747,7 @@
             <a:fld id="{1D8BD707-D9CF-40AE-B4C6-C98DA3205C09}" type="datetimeFigureOut">
               <a:rPr lang="en-US" smtClean="0"/>
               <a:pPr/>
-              <a:t>8/15/2012</a:t>
+              <a:t>12/8/2011</a:t>
             </a:fld>
             <a:endParaRPr lang="en-US"/>
           </a:p>
@@ -1878,7 +1862,7 @@
             <a:fld id="{1D8BD707-D9CF-40AE-B4C6-C98DA3205C09}" type="datetimeFigureOut">
               <a:rPr lang="en-US" smtClean="0"/>
               <a:pPr/>
-              <a:t>8/15/2012</a:t>
+              <a:t>12/8/2011</a:t>
             </a:fld>
             <a:endParaRPr lang="en-US"/>
           </a:p>
@@ -1970,7 +1954,7 @@
             <a:fld id="{1D8BD707-D9CF-40AE-B4C6-C98DA3205C09}" type="datetimeFigureOut">
               <a:rPr lang="en-US" smtClean="0"/>
               <a:pPr/>
-              <a:t>8/15/2012</a:t>
+              <a:t>12/8/2011</a:t>
             </a:fld>
             <a:endParaRPr lang="en-US"/>
           </a:p>
@@ -2244,7 +2228,7 @@
             <a:fld id="{1D8BD707-D9CF-40AE-B4C6-C98DA3205C09}" type="datetimeFigureOut">
               <a:rPr lang="en-US" smtClean="0"/>
               <a:pPr/>
-              <a:t>8/15/2012</a:t>
+              <a:t>12/8/2011</a:t>
             </a:fld>
             <a:endParaRPr lang="en-US"/>
           </a:p>
@@ -2494,7 +2478,7 @@
             <a:fld id="{1D8BD707-D9CF-40AE-B4C6-C98DA3205C09}" type="datetimeFigureOut">
               <a:rPr lang="en-US" smtClean="0"/>
               <a:pPr/>
-              <a:t>8/15/2012</a:t>
+              <a:t>12/8/2011</a:t>
             </a:fld>
             <a:endParaRPr lang="en-US"/>
           </a:p>
@@ -2704,7 +2688,7 @@
             <a:fld id="{1D8BD707-D9CF-40AE-B4C6-C98DA3205C09}" type="datetimeFigureOut">
               <a:rPr lang="en-US" smtClean="0"/>
               <a:pPr/>
-              <a:t>8/15/2012</a:t>
+              <a:t>12/8/2011</a:t>
             </a:fld>
             <a:endParaRPr lang="en-US"/>
           </a:p>
@@ -6524,6 +6508,7 @@
               <a:rPr lang="en-US" sz="800" dirty="0"/>
               <a:t>2</a:t>
             </a:r>
+            <a:endParaRPr lang="en-US" sz="800" dirty="0"/>
           </a:p>
         </p:txBody>
       </p:sp>
@@ -6829,250 +6814,6 @@
               <a:t>Virtual House Target Window Clue Chart</a:t>
             </a:r>
             <a:endParaRPr lang="en-US" dirty="0"/>
-          </a:p>
-        </p:txBody>
-      </p:sp>
-      <p:sp>
-        <p:nvSpPr>
-          <p:cNvPr id="2" name="Rectangle 1"/>
-          <p:cNvSpPr/>
-          <p:nvPr/>
-        </p:nvSpPr>
-        <p:spPr>
-          <a:xfrm>
-            <a:off x="6786880" y="4152899"/>
-            <a:ext cx="945922" cy="2259898"/>
-          </a:xfrm>
-          <a:prstGeom prst="rect">
-            <a:avLst/>
-          </a:prstGeom>
-        </p:spPr>
-        <p:style>
-          <a:lnRef idx="2">
-            <a:schemeClr val="dk1"/>
-          </a:lnRef>
-          <a:fillRef idx="1">
-            <a:schemeClr val="lt1"/>
-          </a:fillRef>
-          <a:effectRef idx="0">
-            <a:schemeClr val="dk1"/>
-          </a:effectRef>
-          <a:fontRef idx="minor">
-            <a:schemeClr val="dk1"/>
-          </a:fontRef>
-        </p:style>
-        <p:txBody>
-          <a:bodyPr rtlCol="0" anchor="ctr"/>
-          <a:lstStyle/>
-          <a:p>
-            <a:pPr algn="ctr"/>
-            <a:r>
-              <a:rPr lang="en-US" dirty="0" smtClean="0"/>
-              <a:t>A=65</a:t>
-            </a:r>
-          </a:p>
-          <a:p>
-            <a:pPr algn="ctr"/>
-            <a:r>
-              <a:rPr lang="en-US" dirty="0" smtClean="0"/>
-              <a:t>C=67</a:t>
-            </a:r>
-          </a:p>
-          <a:p>
-            <a:pPr algn="ctr"/>
-            <a:r>
-              <a:rPr lang="en-US" dirty="0" smtClean="0"/>
-              <a:t>D=68</a:t>
-            </a:r>
-          </a:p>
-          <a:p>
-            <a:pPr algn="ctr"/>
-            <a:r>
-              <a:rPr lang="en-US" dirty="0" smtClean="0"/>
-              <a:t>F=70</a:t>
-            </a:r>
-          </a:p>
-          <a:p>
-            <a:pPr algn="ctr"/>
-            <a:r>
-              <a:rPr lang="en-US" dirty="0" smtClean="0"/>
-              <a:t>G=71</a:t>
-            </a:r>
-          </a:p>
-          <a:p>
-            <a:pPr algn="ctr"/>
-            <a:r>
-              <a:rPr lang="en-US" dirty="0" smtClean="0"/>
-              <a:t>I=73</a:t>
-            </a:r>
-          </a:p>
-          <a:p>
-            <a:pPr algn="ctr"/>
-            <a:r>
-              <a:rPr lang="en-US" dirty="0" smtClean="0"/>
-              <a:t>J=74</a:t>
-            </a:r>
-          </a:p>
-          <a:p>
-            <a:pPr algn="ctr"/>
-            <a:r>
-              <a:rPr lang="en-US" dirty="0" smtClean="0"/>
-              <a:t>L=76</a:t>
-            </a:r>
-            <a:endParaRPr lang="en-US" dirty="0"/>
-          </a:p>
-        </p:txBody>
-      </p:sp>
-      <p:sp>
-        <p:nvSpPr>
-          <p:cNvPr id="105" name="Rectangle 104"/>
-          <p:cNvSpPr/>
-          <p:nvPr/>
-        </p:nvSpPr>
-        <p:spPr>
-          <a:xfrm>
-            <a:off x="7741995" y="4148545"/>
-            <a:ext cx="945922" cy="2259898"/>
-          </a:xfrm>
-          <a:prstGeom prst="rect">
-            <a:avLst/>
-          </a:prstGeom>
-        </p:spPr>
-        <p:style>
-          <a:lnRef idx="2">
-            <a:schemeClr val="dk1"/>
-          </a:lnRef>
-          <a:fillRef idx="1">
-            <a:schemeClr val="lt1"/>
-          </a:fillRef>
-          <a:effectRef idx="0">
-            <a:schemeClr val="dk1"/>
-          </a:effectRef>
-          <a:fontRef idx="minor">
-            <a:schemeClr val="dk1"/>
-          </a:fontRef>
-        </p:style>
-        <p:txBody>
-          <a:bodyPr rtlCol="0" anchor="ctr"/>
-          <a:lstStyle/>
-          <a:p>
-            <a:pPr algn="ctr"/>
-            <a:r>
-              <a:rPr lang="en-US" dirty="0" smtClean="0"/>
-              <a:t>M=77</a:t>
-            </a:r>
-          </a:p>
-          <a:p>
-            <a:pPr algn="ctr"/>
-            <a:r>
-              <a:rPr lang="en-US" dirty="0" smtClean="0"/>
-              <a:t>O=79</a:t>
-            </a:r>
-          </a:p>
-          <a:p>
-            <a:pPr algn="ctr"/>
-            <a:r>
-              <a:rPr lang="en-US" dirty="0" smtClean="0"/>
-              <a:t>P=80</a:t>
-            </a:r>
-          </a:p>
-          <a:p>
-            <a:pPr algn="ctr"/>
-            <a:r>
-              <a:rPr lang="en-US" dirty="0" smtClean="0"/>
-              <a:t>R=82</a:t>
-            </a:r>
-          </a:p>
-          <a:p>
-            <a:pPr algn="ctr"/>
-            <a:r>
-              <a:rPr lang="en-US" dirty="0" smtClean="0"/>
-              <a:t>S=83</a:t>
-            </a:r>
-          </a:p>
-          <a:p>
-            <a:pPr algn="ctr"/>
-            <a:r>
-              <a:rPr lang="en-US" dirty="0" smtClean="0"/>
-              <a:t>U=85</a:t>
-            </a:r>
-          </a:p>
-          <a:p>
-            <a:pPr algn="ctr"/>
-            <a:r>
-              <a:rPr lang="en-US" dirty="0" smtClean="0"/>
-              <a:t>V=86</a:t>
-            </a:r>
-          </a:p>
-          <a:p>
-            <a:pPr algn="ctr"/>
-            <a:r>
-              <a:rPr lang="en-US" dirty="0" smtClean="0"/>
-              <a:t>X=88</a:t>
-            </a:r>
-            <a:endParaRPr lang="en-US" dirty="0"/>
-          </a:p>
-        </p:txBody>
-      </p:sp>
-      <p:sp>
-        <p:nvSpPr>
-          <p:cNvPr id="3" name="Rectangle 2"/>
-          <p:cNvSpPr/>
-          <p:nvPr/>
-        </p:nvSpPr>
-        <p:spPr>
-          <a:xfrm>
-            <a:off x="5278120" y="6525146"/>
-            <a:ext cx="3768718" cy="258356"/>
-          </a:xfrm>
-          <a:prstGeom prst="rect">
-            <a:avLst/>
-          </a:prstGeom>
-        </p:spPr>
-        <p:style>
-          <a:lnRef idx="2">
-            <a:schemeClr val="dk1"/>
-          </a:lnRef>
-          <a:fillRef idx="1">
-            <a:schemeClr val="lt1"/>
-          </a:fillRef>
-          <a:effectRef idx="0">
-            <a:schemeClr val="dk1"/>
-          </a:effectRef>
-          <a:fontRef idx="minor">
-            <a:schemeClr val="dk1"/>
-          </a:fontRef>
-        </p:style>
-        <p:txBody>
-          <a:bodyPr rtlCol="0" anchor="ctr"/>
-          <a:lstStyle/>
-          <a:p>
-            <a:pPr algn="ctr"/>
-            <a:r>
-              <a:rPr lang="en-US" sz="1000" dirty="0" err="1" smtClean="0"/>
-              <a:t>Targ</a:t>
-            </a:r>
-            <a:r>
-              <a:rPr lang="en-US" sz="1000" dirty="0" smtClean="0"/>
-              <a:t> R #, </a:t>
-            </a:r>
-            <a:r>
-              <a:rPr lang="en-US" sz="1000" dirty="0" err="1" smtClean="0"/>
-              <a:t>Attemp</a:t>
-            </a:r>
-            <a:r>
-              <a:rPr lang="en-US" sz="1000" dirty="0" smtClean="0"/>
-              <a:t> R #, Right Floor, Right side, Right </a:t>
-            </a:r>
-            <a:r>
-              <a:rPr lang="en-US" sz="1000" dirty="0" err="1" smtClean="0"/>
-              <a:t>Dir</a:t>
-            </a:r>
-            <a:r>
-              <a:rPr lang="en-US" sz="1000" dirty="0" smtClean="0"/>
-              <a:t>, Distance, Time</a:t>
-            </a:r>
-            <a:endParaRPr lang="en-US" sz="1000" dirty="0"/>
           </a:p>
         </p:txBody>
       </p:sp>

--- a/Clue.pptx
+++ b/Clue.pptx
@@ -104,6 +104,22 @@
       </a:defRPr>
     </a:lvl9pPr>
   </p:defaultTextStyle>
+  <p:extLst>
+    <p:ext uri="{EFAFB233-063F-42B5-8137-9DF3F51BA10A}">
+      <p15:sldGuideLst xmlns:p15="http://schemas.microsoft.com/office/powerpoint/2012/main">
+        <p15:guide id="1" orient="horz" pos="2160">
+          <p15:clr>
+            <a:srgbClr val="A4A3A4"/>
+          </p15:clr>
+        </p15:guide>
+        <p15:guide id="2" pos="2880">
+          <p15:clr>
+            <a:srgbClr val="A4A3A4"/>
+          </p15:clr>
+        </p15:guide>
+      </p15:sldGuideLst>
+    </p:ext>
+  </p:extLst>
 </p:presentation>
 </file>
 
@@ -289,7 +305,7 @@
             <a:fld id="{1D8BD707-D9CF-40AE-B4C6-C98DA3205C09}" type="datetimeFigureOut">
               <a:rPr lang="en-US" smtClean="0"/>
               <a:pPr/>
-              <a:t>12/8/2011</a:t>
+              <a:t>8/15/2012</a:t>
             </a:fld>
             <a:endParaRPr lang="en-US"/>
           </a:p>
@@ -456,7 +472,7 @@
             <a:fld id="{1D8BD707-D9CF-40AE-B4C6-C98DA3205C09}" type="datetimeFigureOut">
               <a:rPr lang="en-US" smtClean="0"/>
               <a:pPr/>
-              <a:t>12/8/2011</a:t>
+              <a:t>8/15/2012</a:t>
             </a:fld>
             <a:endParaRPr lang="en-US"/>
           </a:p>
@@ -633,7 +649,7 @@
             <a:fld id="{1D8BD707-D9CF-40AE-B4C6-C98DA3205C09}" type="datetimeFigureOut">
               <a:rPr lang="en-US" smtClean="0"/>
               <a:pPr/>
-              <a:t>12/8/2011</a:t>
+              <a:t>8/15/2012</a:t>
             </a:fld>
             <a:endParaRPr lang="en-US"/>
           </a:p>
@@ -800,7 +816,7 @@
             <a:fld id="{1D8BD707-D9CF-40AE-B4C6-C98DA3205C09}" type="datetimeFigureOut">
               <a:rPr lang="en-US" smtClean="0"/>
               <a:pPr/>
-              <a:t>12/8/2011</a:t>
+              <a:t>8/15/2012</a:t>
             </a:fld>
             <a:endParaRPr lang="en-US"/>
           </a:p>
@@ -1043,7 +1059,7 @@
             <a:fld id="{1D8BD707-D9CF-40AE-B4C6-C98DA3205C09}" type="datetimeFigureOut">
               <a:rPr lang="en-US" smtClean="0"/>
               <a:pPr/>
-              <a:t>12/8/2011</a:t>
+              <a:t>8/15/2012</a:t>
             </a:fld>
             <a:endParaRPr lang="en-US"/>
           </a:p>
@@ -1328,7 +1344,7 @@
             <a:fld id="{1D8BD707-D9CF-40AE-B4C6-C98DA3205C09}" type="datetimeFigureOut">
               <a:rPr lang="en-US" smtClean="0"/>
               <a:pPr/>
-              <a:t>12/8/2011</a:t>
+              <a:t>8/15/2012</a:t>
             </a:fld>
             <a:endParaRPr lang="en-US"/>
           </a:p>
@@ -1747,7 +1763,7 @@
             <a:fld id="{1D8BD707-D9CF-40AE-B4C6-C98DA3205C09}" type="datetimeFigureOut">
               <a:rPr lang="en-US" smtClean="0"/>
               <a:pPr/>
-              <a:t>12/8/2011</a:t>
+              <a:t>8/15/2012</a:t>
             </a:fld>
             <a:endParaRPr lang="en-US"/>
           </a:p>
@@ -1862,7 +1878,7 @@
             <a:fld id="{1D8BD707-D9CF-40AE-B4C6-C98DA3205C09}" type="datetimeFigureOut">
               <a:rPr lang="en-US" smtClean="0"/>
               <a:pPr/>
-              <a:t>12/8/2011</a:t>
+              <a:t>8/15/2012</a:t>
             </a:fld>
             <a:endParaRPr lang="en-US"/>
           </a:p>
@@ -1954,7 +1970,7 @@
             <a:fld id="{1D8BD707-D9CF-40AE-B4C6-C98DA3205C09}" type="datetimeFigureOut">
               <a:rPr lang="en-US" smtClean="0"/>
               <a:pPr/>
-              <a:t>12/8/2011</a:t>
+              <a:t>8/15/2012</a:t>
             </a:fld>
             <a:endParaRPr lang="en-US"/>
           </a:p>
@@ -2228,7 +2244,7 @@
             <a:fld id="{1D8BD707-D9CF-40AE-B4C6-C98DA3205C09}" type="datetimeFigureOut">
               <a:rPr lang="en-US" smtClean="0"/>
               <a:pPr/>
-              <a:t>12/8/2011</a:t>
+              <a:t>8/15/2012</a:t>
             </a:fld>
             <a:endParaRPr lang="en-US"/>
           </a:p>
@@ -2478,7 +2494,7 @@
             <a:fld id="{1D8BD707-D9CF-40AE-B4C6-C98DA3205C09}" type="datetimeFigureOut">
               <a:rPr lang="en-US" smtClean="0"/>
               <a:pPr/>
-              <a:t>12/8/2011</a:t>
+              <a:t>8/15/2012</a:t>
             </a:fld>
             <a:endParaRPr lang="en-US"/>
           </a:p>
@@ -2688,7 +2704,7 @@
             <a:fld id="{1D8BD707-D9CF-40AE-B4C6-C98DA3205C09}" type="datetimeFigureOut">
               <a:rPr lang="en-US" smtClean="0"/>
               <a:pPr/>
-              <a:t>12/8/2011</a:t>
+              <a:t>8/15/2012</a:t>
             </a:fld>
             <a:endParaRPr lang="en-US"/>
           </a:p>
@@ -6508,7 +6524,6 @@
               <a:rPr lang="en-US" sz="800" dirty="0"/>
               <a:t>2</a:t>
             </a:r>
-            <a:endParaRPr lang="en-US" sz="800" dirty="0"/>
           </a:p>
         </p:txBody>
       </p:sp>
@@ -6814,6 +6829,250 @@
               <a:t>Virtual House Target Window Clue Chart</a:t>
             </a:r>
             <a:endParaRPr lang="en-US" dirty="0"/>
+          </a:p>
+        </p:txBody>
+      </p:sp>
+      <p:sp>
+        <p:nvSpPr>
+          <p:cNvPr id="2" name="Rectangle 1"/>
+          <p:cNvSpPr/>
+          <p:nvPr/>
+        </p:nvSpPr>
+        <p:spPr>
+          <a:xfrm>
+            <a:off x="6786880" y="4152899"/>
+            <a:ext cx="945922" cy="2259898"/>
+          </a:xfrm>
+          <a:prstGeom prst="rect">
+            <a:avLst/>
+          </a:prstGeom>
+        </p:spPr>
+        <p:style>
+          <a:lnRef idx="2">
+            <a:schemeClr val="dk1"/>
+          </a:lnRef>
+          <a:fillRef idx="1">
+            <a:schemeClr val="lt1"/>
+          </a:fillRef>
+          <a:effectRef idx="0">
+            <a:schemeClr val="dk1"/>
+          </a:effectRef>
+          <a:fontRef idx="minor">
+            <a:schemeClr val="dk1"/>
+          </a:fontRef>
+        </p:style>
+        <p:txBody>
+          <a:bodyPr rtlCol="0" anchor="ctr"/>
+          <a:lstStyle/>
+          <a:p>
+            <a:pPr algn="ctr"/>
+            <a:r>
+              <a:rPr lang="en-US" dirty="0" smtClean="0"/>
+              <a:t>A=65</a:t>
+            </a:r>
+          </a:p>
+          <a:p>
+            <a:pPr algn="ctr"/>
+            <a:r>
+              <a:rPr lang="en-US" dirty="0" smtClean="0"/>
+              <a:t>C=67</a:t>
+            </a:r>
+          </a:p>
+          <a:p>
+            <a:pPr algn="ctr"/>
+            <a:r>
+              <a:rPr lang="en-US" dirty="0" smtClean="0"/>
+              <a:t>D=68</a:t>
+            </a:r>
+          </a:p>
+          <a:p>
+            <a:pPr algn="ctr"/>
+            <a:r>
+              <a:rPr lang="en-US" dirty="0" smtClean="0"/>
+              <a:t>F=70</a:t>
+            </a:r>
+          </a:p>
+          <a:p>
+            <a:pPr algn="ctr"/>
+            <a:r>
+              <a:rPr lang="en-US" dirty="0" smtClean="0"/>
+              <a:t>G=71</a:t>
+            </a:r>
+          </a:p>
+          <a:p>
+            <a:pPr algn="ctr"/>
+            <a:r>
+              <a:rPr lang="en-US" dirty="0" smtClean="0"/>
+              <a:t>I=73</a:t>
+            </a:r>
+          </a:p>
+          <a:p>
+            <a:pPr algn="ctr"/>
+            <a:r>
+              <a:rPr lang="en-US" dirty="0" smtClean="0"/>
+              <a:t>J=74</a:t>
+            </a:r>
+          </a:p>
+          <a:p>
+            <a:pPr algn="ctr"/>
+            <a:r>
+              <a:rPr lang="en-US" dirty="0" smtClean="0"/>
+              <a:t>L=76</a:t>
+            </a:r>
+            <a:endParaRPr lang="en-US" dirty="0"/>
+          </a:p>
+        </p:txBody>
+      </p:sp>
+      <p:sp>
+        <p:nvSpPr>
+          <p:cNvPr id="105" name="Rectangle 104"/>
+          <p:cNvSpPr/>
+          <p:nvPr/>
+        </p:nvSpPr>
+        <p:spPr>
+          <a:xfrm>
+            <a:off x="7741995" y="4148545"/>
+            <a:ext cx="945922" cy="2259898"/>
+          </a:xfrm>
+          <a:prstGeom prst="rect">
+            <a:avLst/>
+          </a:prstGeom>
+        </p:spPr>
+        <p:style>
+          <a:lnRef idx="2">
+            <a:schemeClr val="dk1"/>
+          </a:lnRef>
+          <a:fillRef idx="1">
+            <a:schemeClr val="lt1"/>
+          </a:fillRef>
+          <a:effectRef idx="0">
+            <a:schemeClr val="dk1"/>
+          </a:effectRef>
+          <a:fontRef idx="minor">
+            <a:schemeClr val="dk1"/>
+          </a:fontRef>
+        </p:style>
+        <p:txBody>
+          <a:bodyPr rtlCol="0" anchor="ctr"/>
+          <a:lstStyle/>
+          <a:p>
+            <a:pPr algn="ctr"/>
+            <a:r>
+              <a:rPr lang="en-US" dirty="0" smtClean="0"/>
+              <a:t>M=77</a:t>
+            </a:r>
+          </a:p>
+          <a:p>
+            <a:pPr algn="ctr"/>
+            <a:r>
+              <a:rPr lang="en-US" dirty="0" smtClean="0"/>
+              <a:t>O=79</a:t>
+            </a:r>
+          </a:p>
+          <a:p>
+            <a:pPr algn="ctr"/>
+            <a:r>
+              <a:rPr lang="en-US" dirty="0" smtClean="0"/>
+              <a:t>P=80</a:t>
+            </a:r>
+          </a:p>
+          <a:p>
+            <a:pPr algn="ctr"/>
+            <a:r>
+              <a:rPr lang="en-US" dirty="0" smtClean="0"/>
+              <a:t>R=82</a:t>
+            </a:r>
+          </a:p>
+          <a:p>
+            <a:pPr algn="ctr"/>
+            <a:r>
+              <a:rPr lang="en-US" dirty="0" smtClean="0"/>
+              <a:t>S=83</a:t>
+            </a:r>
+          </a:p>
+          <a:p>
+            <a:pPr algn="ctr"/>
+            <a:r>
+              <a:rPr lang="en-US" dirty="0" smtClean="0"/>
+              <a:t>U=85</a:t>
+            </a:r>
+          </a:p>
+          <a:p>
+            <a:pPr algn="ctr"/>
+            <a:r>
+              <a:rPr lang="en-US" dirty="0" smtClean="0"/>
+              <a:t>V=86</a:t>
+            </a:r>
+          </a:p>
+          <a:p>
+            <a:pPr algn="ctr"/>
+            <a:r>
+              <a:rPr lang="en-US" dirty="0" smtClean="0"/>
+              <a:t>X=88</a:t>
+            </a:r>
+            <a:endParaRPr lang="en-US" dirty="0"/>
+          </a:p>
+        </p:txBody>
+      </p:sp>
+      <p:sp>
+        <p:nvSpPr>
+          <p:cNvPr id="3" name="Rectangle 2"/>
+          <p:cNvSpPr/>
+          <p:nvPr/>
+        </p:nvSpPr>
+        <p:spPr>
+          <a:xfrm>
+            <a:off x="5278120" y="6525146"/>
+            <a:ext cx="3768718" cy="258356"/>
+          </a:xfrm>
+          <a:prstGeom prst="rect">
+            <a:avLst/>
+          </a:prstGeom>
+        </p:spPr>
+        <p:style>
+          <a:lnRef idx="2">
+            <a:schemeClr val="dk1"/>
+          </a:lnRef>
+          <a:fillRef idx="1">
+            <a:schemeClr val="lt1"/>
+          </a:fillRef>
+          <a:effectRef idx="0">
+            <a:schemeClr val="dk1"/>
+          </a:effectRef>
+          <a:fontRef idx="minor">
+            <a:schemeClr val="dk1"/>
+          </a:fontRef>
+        </p:style>
+        <p:txBody>
+          <a:bodyPr rtlCol="0" anchor="ctr"/>
+          <a:lstStyle/>
+          <a:p>
+            <a:pPr algn="ctr"/>
+            <a:r>
+              <a:rPr lang="en-US" sz="1000" dirty="0" err="1" smtClean="0"/>
+              <a:t>Targ</a:t>
+            </a:r>
+            <a:r>
+              <a:rPr lang="en-US" sz="1000" dirty="0" smtClean="0"/>
+              <a:t> R #, </a:t>
+            </a:r>
+            <a:r>
+              <a:rPr lang="en-US" sz="1000" dirty="0" err="1" smtClean="0"/>
+              <a:t>Attemp</a:t>
+            </a:r>
+            <a:r>
+              <a:rPr lang="en-US" sz="1000" dirty="0" smtClean="0"/>
+              <a:t> R #, Right Floor, Right side, Right </a:t>
+            </a:r>
+            <a:r>
+              <a:rPr lang="en-US" sz="1000" dirty="0" err="1" smtClean="0"/>
+              <a:t>Dir</a:t>
+            </a:r>
+            <a:r>
+              <a:rPr lang="en-US" sz="1000" dirty="0" smtClean="0"/>
+              <a:t>, Distance, Time</a:t>
+            </a:r>
+            <a:endParaRPr lang="en-US" sz="1000" dirty="0"/>
           </a:p>
         </p:txBody>
       </p:sp>
